--- a/High Performance MySQL.pptx
+++ b/High Performance MySQL.pptx
@@ -12,8 +12,12 @@
     <p:sldId id="262" r:id="rId6"/>
     <p:sldId id="263" r:id="rId7"/>
     <p:sldId id="264" r:id="rId8"/>
-    <p:sldId id="258" r:id="rId9"/>
-    <p:sldId id="259" r:id="rId10"/>
+    <p:sldId id="265" r:id="rId9"/>
+    <p:sldId id="266" r:id="rId10"/>
+    <p:sldId id="267" r:id="rId11"/>
+    <p:sldId id="268" r:id="rId12"/>
+    <p:sldId id="258" r:id="rId13"/>
+    <p:sldId id="259" r:id="rId14"/>
   </p:sldIdLst>
   <p:sldSz cx="12192000" cy="6858000"/>
   <p:notesSz cx="6858000" cy="9144000"/>
@@ -267,7 +271,7 @@
           <a:p>
             <a:fld id="{1179454B-E4E9-8F44-905C-C6CB6DB38EBE}" type="datetimeFigureOut">
               <a:rPr kumimoji="1" lang="zh-CN" altLang="en-US" smtClean="0"/>
-              <a:t>2020/5/13</a:t>
+              <a:t>2020/6/14</a:t>
             </a:fld>
             <a:endParaRPr kumimoji="1" lang="zh-CN" altLang="en-US"/>
           </a:p>
@@ -465,7 +469,7 @@
           <a:p>
             <a:fld id="{1179454B-E4E9-8F44-905C-C6CB6DB38EBE}" type="datetimeFigureOut">
               <a:rPr kumimoji="1" lang="zh-CN" altLang="en-US" smtClean="0"/>
-              <a:t>2020/5/13</a:t>
+              <a:t>2020/6/14</a:t>
             </a:fld>
             <a:endParaRPr kumimoji="1" lang="zh-CN" altLang="en-US"/>
           </a:p>
@@ -673,7 +677,7 @@
           <a:p>
             <a:fld id="{1179454B-E4E9-8F44-905C-C6CB6DB38EBE}" type="datetimeFigureOut">
               <a:rPr kumimoji="1" lang="zh-CN" altLang="en-US" smtClean="0"/>
-              <a:t>2020/5/13</a:t>
+              <a:t>2020/6/14</a:t>
             </a:fld>
             <a:endParaRPr kumimoji="1" lang="zh-CN" altLang="en-US"/>
           </a:p>
@@ -871,7 +875,7 @@
           <a:p>
             <a:fld id="{1179454B-E4E9-8F44-905C-C6CB6DB38EBE}" type="datetimeFigureOut">
               <a:rPr kumimoji="1" lang="zh-CN" altLang="en-US" smtClean="0"/>
-              <a:t>2020/5/13</a:t>
+              <a:t>2020/6/14</a:t>
             </a:fld>
             <a:endParaRPr kumimoji="1" lang="zh-CN" altLang="en-US"/>
           </a:p>
@@ -1146,7 +1150,7 @@
           <a:p>
             <a:fld id="{1179454B-E4E9-8F44-905C-C6CB6DB38EBE}" type="datetimeFigureOut">
               <a:rPr kumimoji="1" lang="zh-CN" altLang="en-US" smtClean="0"/>
-              <a:t>2020/5/13</a:t>
+              <a:t>2020/6/14</a:t>
             </a:fld>
             <a:endParaRPr kumimoji="1" lang="zh-CN" altLang="en-US"/>
           </a:p>
@@ -1411,7 +1415,7 @@
           <a:p>
             <a:fld id="{1179454B-E4E9-8F44-905C-C6CB6DB38EBE}" type="datetimeFigureOut">
               <a:rPr kumimoji="1" lang="zh-CN" altLang="en-US" smtClean="0"/>
-              <a:t>2020/5/13</a:t>
+              <a:t>2020/6/14</a:t>
             </a:fld>
             <a:endParaRPr kumimoji="1" lang="zh-CN" altLang="en-US"/>
           </a:p>
@@ -1823,7 +1827,7 @@
           <a:p>
             <a:fld id="{1179454B-E4E9-8F44-905C-C6CB6DB38EBE}" type="datetimeFigureOut">
               <a:rPr kumimoji="1" lang="zh-CN" altLang="en-US" smtClean="0"/>
-              <a:t>2020/5/13</a:t>
+              <a:t>2020/6/14</a:t>
             </a:fld>
             <a:endParaRPr kumimoji="1" lang="zh-CN" altLang="en-US"/>
           </a:p>
@@ -1964,7 +1968,7 @@
           <a:p>
             <a:fld id="{1179454B-E4E9-8F44-905C-C6CB6DB38EBE}" type="datetimeFigureOut">
               <a:rPr kumimoji="1" lang="zh-CN" altLang="en-US" smtClean="0"/>
-              <a:t>2020/5/13</a:t>
+              <a:t>2020/6/14</a:t>
             </a:fld>
             <a:endParaRPr kumimoji="1" lang="zh-CN" altLang="en-US"/>
           </a:p>
@@ -2077,7 +2081,7 @@
           <a:p>
             <a:fld id="{1179454B-E4E9-8F44-905C-C6CB6DB38EBE}" type="datetimeFigureOut">
               <a:rPr kumimoji="1" lang="zh-CN" altLang="en-US" smtClean="0"/>
-              <a:t>2020/5/13</a:t>
+              <a:t>2020/6/14</a:t>
             </a:fld>
             <a:endParaRPr kumimoji="1" lang="zh-CN" altLang="en-US"/>
           </a:p>
@@ -2388,7 +2392,7 @@
           <a:p>
             <a:fld id="{1179454B-E4E9-8F44-905C-C6CB6DB38EBE}" type="datetimeFigureOut">
               <a:rPr kumimoji="1" lang="zh-CN" altLang="en-US" smtClean="0"/>
-              <a:t>2020/5/13</a:t>
+              <a:t>2020/6/14</a:t>
             </a:fld>
             <a:endParaRPr kumimoji="1" lang="zh-CN" altLang="en-US"/>
           </a:p>
@@ -2676,7 +2680,7 @@
           <a:p>
             <a:fld id="{1179454B-E4E9-8F44-905C-C6CB6DB38EBE}" type="datetimeFigureOut">
               <a:rPr kumimoji="1" lang="zh-CN" altLang="en-US" smtClean="0"/>
-              <a:t>2020/5/13</a:t>
+              <a:t>2020/6/14</a:t>
             </a:fld>
             <a:endParaRPr kumimoji="1" lang="zh-CN" altLang="en-US"/>
           </a:p>
@@ -2917,7 +2921,7 @@
           <a:p>
             <a:fld id="{1179454B-E4E9-8F44-905C-C6CB6DB38EBE}" type="datetimeFigureOut">
               <a:rPr kumimoji="1" lang="zh-CN" altLang="en-US" smtClean="0"/>
-              <a:t>2020/5/13</a:t>
+              <a:t>2020/6/14</a:t>
             </a:fld>
             <a:endParaRPr kumimoji="1" lang="zh-CN" altLang="en-US"/>
           </a:p>
@@ -3421,6 +3425,1062 @@
 </p:sld>
 </file>
 
+<file path=ppt/slides/slide10.xml><?xml version="1.0" encoding="utf-8"?>
+<p:sld xmlns:a="http://schemas.openxmlformats.org/drawingml/2006/main" xmlns:r="http://schemas.openxmlformats.org/officeDocument/2006/relationships" xmlns:p="http://schemas.openxmlformats.org/presentationml/2006/main">
+  <p:cSld>
+    <p:spTree>
+      <p:nvGrpSpPr>
+        <p:cNvPr id="1" name=""/>
+        <p:cNvGrpSpPr/>
+        <p:nvPr/>
+      </p:nvGrpSpPr>
+      <p:grpSpPr>
+        <a:xfrm>
+          <a:off x="0" y="0"/>
+          <a:ext cx="0" cy="0"/>
+          <a:chOff x="0" y="0"/>
+          <a:chExt cx="0" cy="0"/>
+        </a:xfrm>
+      </p:grpSpPr>
+      <p:sp>
+        <p:nvSpPr>
+          <p:cNvPr id="2" name="标题 1">
+            <a:extLst>
+              <a:ext uri="{FF2B5EF4-FFF2-40B4-BE49-F238E27FC236}">
+                <a16:creationId xmlns:a16="http://schemas.microsoft.com/office/drawing/2014/main" id="{74210E04-1525-9041-9AFA-5588BE63EA04}"/>
+              </a:ext>
+            </a:extLst>
+          </p:cNvPr>
+          <p:cNvSpPr>
+            <a:spLocks noGrp="1"/>
+          </p:cNvSpPr>
+          <p:nvPr>
+            <p:ph type="title"/>
+          </p:nvPr>
+        </p:nvSpPr>
+        <p:spPr/>
+        <p:txBody>
+          <a:bodyPr/>
+          <a:lstStyle/>
+          <a:p>
+            <a:r>
+              <a:rPr kumimoji="1" lang="zh-CN" altLang="en-US" dirty="0"/>
+              <a:t>九 操作系统和硬件优化</a:t>
+            </a:r>
+          </a:p>
+        </p:txBody>
+      </p:sp>
+      <p:sp>
+        <p:nvSpPr>
+          <p:cNvPr id="3" name="内容占位符 2">
+            <a:extLst>
+              <a:ext uri="{FF2B5EF4-FFF2-40B4-BE49-F238E27FC236}">
+                <a16:creationId xmlns:a16="http://schemas.microsoft.com/office/drawing/2014/main" id="{F8F5A510-A8F6-764B-908E-B1832551B402}"/>
+              </a:ext>
+            </a:extLst>
+          </p:cNvPr>
+          <p:cNvSpPr>
+            <a:spLocks noGrp="1"/>
+          </p:cNvSpPr>
+          <p:nvPr>
+            <p:ph idx="1"/>
+          </p:nvPr>
+        </p:nvSpPr>
+        <p:spPr/>
+        <p:txBody>
+          <a:bodyPr/>
+          <a:lstStyle/>
+          <a:p>
+            <a:endParaRPr kumimoji="1" lang="zh-CN" altLang="en-US"/>
+          </a:p>
+        </p:txBody>
+      </p:sp>
+    </p:spTree>
+    <p:extLst>
+      <p:ext uri="{BB962C8B-B14F-4D97-AF65-F5344CB8AC3E}">
+        <p14:creationId xmlns:p14="http://schemas.microsoft.com/office/powerpoint/2010/main" val="912496896"/>
+      </p:ext>
+    </p:extLst>
+  </p:cSld>
+  <p:clrMapOvr>
+    <a:masterClrMapping/>
+  </p:clrMapOvr>
+</p:sld>
+</file>
+
+<file path=ppt/slides/slide11.xml><?xml version="1.0" encoding="utf-8"?>
+<p:sld xmlns:a="http://schemas.openxmlformats.org/drawingml/2006/main" xmlns:r="http://schemas.openxmlformats.org/officeDocument/2006/relationships" xmlns:p="http://schemas.openxmlformats.org/presentationml/2006/main">
+  <p:cSld>
+    <p:spTree>
+      <p:nvGrpSpPr>
+        <p:cNvPr id="1" name=""/>
+        <p:cNvGrpSpPr/>
+        <p:nvPr/>
+      </p:nvGrpSpPr>
+      <p:grpSpPr>
+        <a:xfrm>
+          <a:off x="0" y="0"/>
+          <a:ext cx="0" cy="0"/>
+          <a:chOff x="0" y="0"/>
+          <a:chExt cx="0" cy="0"/>
+        </a:xfrm>
+      </p:grpSpPr>
+      <p:sp>
+        <p:nvSpPr>
+          <p:cNvPr id="2" name="标题 1">
+            <a:extLst>
+              <a:ext uri="{FF2B5EF4-FFF2-40B4-BE49-F238E27FC236}">
+                <a16:creationId xmlns:a16="http://schemas.microsoft.com/office/drawing/2014/main" id="{28F0BEA2-0923-684A-BBF1-80DE551D2979}"/>
+              </a:ext>
+            </a:extLst>
+          </p:cNvPr>
+          <p:cNvSpPr>
+            <a:spLocks noGrp="1"/>
+          </p:cNvSpPr>
+          <p:nvPr>
+            <p:ph type="title"/>
+          </p:nvPr>
+        </p:nvSpPr>
+        <p:spPr/>
+        <p:txBody>
+          <a:bodyPr/>
+          <a:lstStyle/>
+          <a:p>
+            <a:r>
+              <a:rPr kumimoji="1" lang="zh-CN" altLang="en-US" dirty="0"/>
+              <a:t>十 复制</a:t>
+            </a:r>
+          </a:p>
+        </p:txBody>
+      </p:sp>
+      <p:sp>
+        <p:nvSpPr>
+          <p:cNvPr id="3" name="内容占位符 2">
+            <a:extLst>
+              <a:ext uri="{FF2B5EF4-FFF2-40B4-BE49-F238E27FC236}">
+                <a16:creationId xmlns:a16="http://schemas.microsoft.com/office/drawing/2014/main" id="{6DFB52C6-466C-CD48-AB5A-2619B2A4F43A}"/>
+              </a:ext>
+            </a:extLst>
+          </p:cNvPr>
+          <p:cNvSpPr>
+            <a:spLocks noGrp="1"/>
+          </p:cNvSpPr>
+          <p:nvPr>
+            <p:ph idx="1"/>
+          </p:nvPr>
+        </p:nvSpPr>
+        <p:spPr/>
+        <p:txBody>
+          <a:bodyPr/>
+          <a:lstStyle/>
+          <a:p>
+            <a:r>
+              <a:rPr kumimoji="1" lang="zh-CN" altLang="en-US" dirty="0"/>
+              <a:t>复制概述</a:t>
+            </a:r>
+            <a:endParaRPr kumimoji="1" lang="en-US" altLang="zh-CN" dirty="0"/>
+          </a:p>
+          <a:p>
+            <a:pPr lvl="1"/>
+            <a:r>
+              <a:rPr kumimoji="1" lang="zh-CN" altLang="en-US" dirty="0"/>
+              <a:t>基于语句的复制和基于行的复制，主库记录二进制日志</a:t>
+            </a:r>
+            <a:r>
+              <a:rPr kumimoji="1" lang="en-US" altLang="zh-CN" dirty="0"/>
+              <a:t>-&gt;</a:t>
+            </a:r>
+            <a:r>
+              <a:rPr kumimoji="1" lang="zh-CN" altLang="en-US" dirty="0"/>
+              <a:t>中继日志</a:t>
+            </a:r>
+            <a:r>
+              <a:rPr kumimoji="1" lang="en-US" altLang="zh-CN" dirty="0"/>
+              <a:t>-&gt;</a:t>
+            </a:r>
+            <a:r>
+              <a:rPr kumimoji="1" lang="zh-CN" altLang="en-US" dirty="0"/>
+              <a:t>备库重放</a:t>
+            </a:r>
+            <a:endParaRPr kumimoji="1" lang="en-US" altLang="zh-CN" dirty="0"/>
+          </a:p>
+          <a:p>
+            <a:pPr lvl="1"/>
+            <a:r>
+              <a:rPr kumimoji="1" lang="zh-CN" altLang="en-US" dirty="0"/>
+              <a:t>复制解决问题：数据分布，负载均衡，备份，高可用和故障转移，</a:t>
+            </a:r>
+            <a:r>
+              <a:rPr kumimoji="1" lang="en-US" altLang="zh-CN" dirty="0"/>
+              <a:t>MySQL</a:t>
+            </a:r>
+            <a:r>
+              <a:rPr kumimoji="1" lang="zh-CN" altLang="en-US" dirty="0"/>
+              <a:t>升级测试</a:t>
+            </a:r>
+            <a:endParaRPr kumimoji="1" lang="en-US" altLang="zh-CN" dirty="0"/>
+          </a:p>
+          <a:p>
+            <a:r>
+              <a:rPr kumimoji="1" lang="zh-CN" altLang="en-US" dirty="0"/>
+              <a:t>复制的原理</a:t>
+            </a:r>
+            <a:endParaRPr kumimoji="1" lang="en-US" altLang="zh-CN" dirty="0"/>
+          </a:p>
+          <a:p>
+            <a:pPr lvl="1"/>
+            <a:r>
+              <a:rPr kumimoji="1" lang="zh-CN" altLang="en-US" dirty="0"/>
+              <a:t>基于</a:t>
+            </a:r>
+            <a:r>
+              <a:rPr kumimoji="1" lang="zh-CN" altLang="en-US"/>
+              <a:t>语句的复制</a:t>
+            </a:r>
+            <a:endParaRPr kumimoji="1" lang="en-US" altLang="zh-CN" dirty="0"/>
+          </a:p>
+          <a:p>
+            <a:pPr lvl="1"/>
+            <a:endParaRPr kumimoji="1" lang="zh-CN" altLang="en-US" dirty="0"/>
+          </a:p>
+        </p:txBody>
+      </p:sp>
+    </p:spTree>
+    <p:extLst>
+      <p:ext uri="{BB962C8B-B14F-4D97-AF65-F5344CB8AC3E}">
+        <p14:creationId xmlns:p14="http://schemas.microsoft.com/office/powerpoint/2010/main" val="3078489601"/>
+      </p:ext>
+    </p:extLst>
+  </p:cSld>
+  <p:clrMapOvr>
+    <a:masterClrMapping/>
+  </p:clrMapOvr>
+</p:sld>
+</file>
+
+<file path=ppt/slides/slide12.xml><?xml version="1.0" encoding="utf-8"?>
+<p:sld xmlns:a="http://schemas.openxmlformats.org/drawingml/2006/main" xmlns:r="http://schemas.openxmlformats.org/officeDocument/2006/relationships" xmlns:p="http://schemas.openxmlformats.org/presentationml/2006/main">
+  <p:cSld>
+    <p:spTree>
+      <p:nvGrpSpPr>
+        <p:cNvPr id="1" name=""/>
+        <p:cNvGrpSpPr/>
+        <p:nvPr/>
+      </p:nvGrpSpPr>
+      <p:grpSpPr>
+        <a:xfrm>
+          <a:off x="0" y="0"/>
+          <a:ext cx="0" cy="0"/>
+          <a:chOff x="0" y="0"/>
+          <a:chExt cx="0" cy="0"/>
+        </a:xfrm>
+      </p:grpSpPr>
+      <p:sp>
+        <p:nvSpPr>
+          <p:cNvPr id="2" name="标题 1">
+            <a:extLst>
+              <a:ext uri="{FF2B5EF4-FFF2-40B4-BE49-F238E27FC236}">
+                <a16:creationId xmlns:a16="http://schemas.microsoft.com/office/drawing/2014/main" id="{4A8DD5AD-9979-334B-B367-DC0A74A05562}"/>
+              </a:ext>
+            </a:extLst>
+          </p:cNvPr>
+          <p:cNvSpPr>
+            <a:spLocks noGrp="1"/>
+          </p:cNvSpPr>
+          <p:nvPr>
+            <p:ph type="title"/>
+          </p:nvPr>
+        </p:nvSpPr>
+        <p:spPr/>
+        <p:txBody>
+          <a:bodyPr/>
+          <a:lstStyle/>
+          <a:p>
+            <a:r>
+              <a:rPr kumimoji="1" lang="zh-CN" altLang="en-US" dirty="0"/>
+              <a:t>命令</a:t>
+            </a:r>
+          </a:p>
+        </p:txBody>
+      </p:sp>
+      <p:sp>
+        <p:nvSpPr>
+          <p:cNvPr id="3" name="内容占位符 2">
+            <a:extLst>
+              <a:ext uri="{FF2B5EF4-FFF2-40B4-BE49-F238E27FC236}">
+                <a16:creationId xmlns:a16="http://schemas.microsoft.com/office/drawing/2014/main" id="{C8DE0C06-F215-E840-A8C3-9CA53A22D2B4}"/>
+              </a:ext>
+            </a:extLst>
+          </p:cNvPr>
+          <p:cNvSpPr>
+            <a:spLocks noGrp="1"/>
+          </p:cNvSpPr>
+          <p:nvPr>
+            <p:ph idx="1"/>
+          </p:nvPr>
+        </p:nvSpPr>
+        <p:spPr/>
+        <p:txBody>
+          <a:bodyPr>
+            <a:normAutofit fontScale="85000" lnSpcReduction="20000"/>
+          </a:bodyPr>
+          <a:lstStyle/>
+          <a:p>
+            <a:r>
+              <a:rPr kumimoji="1" lang="en-US" altLang="zh-CN" dirty="0"/>
+              <a:t>SHOW</a:t>
+            </a:r>
+            <a:r>
+              <a:rPr kumimoji="1" lang="zh-CN" altLang="en-US" dirty="0"/>
+              <a:t> </a:t>
+            </a:r>
+            <a:r>
+              <a:rPr kumimoji="1" lang="en-US" altLang="zh-CN" dirty="0"/>
+              <a:t>TABLE</a:t>
+            </a:r>
+            <a:r>
+              <a:rPr kumimoji="1" lang="zh-CN" altLang="en-US" dirty="0"/>
+              <a:t> </a:t>
+            </a:r>
+            <a:r>
+              <a:rPr kumimoji="1" lang="en-US" altLang="zh-CN" dirty="0"/>
+              <a:t>STATUS</a:t>
+            </a:r>
+            <a:r>
+              <a:rPr kumimoji="1" lang="zh-CN" altLang="en-US" dirty="0"/>
+              <a:t> </a:t>
+            </a:r>
+            <a:r>
+              <a:rPr kumimoji="1" lang="en-US" altLang="zh-CN" dirty="0"/>
+              <a:t>LIKE</a:t>
+            </a:r>
+            <a:r>
+              <a:rPr kumimoji="1" lang="zh-CN" altLang="en-US" dirty="0"/>
+              <a:t> </a:t>
+            </a:r>
+            <a:r>
+              <a:rPr kumimoji="1" lang="en-US" altLang="zh-CN" dirty="0"/>
+              <a:t>‘user’</a:t>
+            </a:r>
+            <a:r>
+              <a:rPr kumimoji="1" lang="zh-CN" altLang="en-US" dirty="0"/>
+              <a:t> </a:t>
+            </a:r>
+            <a:r>
+              <a:rPr kumimoji="1" lang="en-US" altLang="zh-CN" dirty="0"/>
+              <a:t>\G</a:t>
+            </a:r>
+          </a:p>
+          <a:p>
+            <a:r>
+              <a:rPr kumimoji="1" lang="en-US" altLang="zh-CN" dirty="0"/>
+              <a:t>ALTER</a:t>
+            </a:r>
+            <a:r>
+              <a:rPr kumimoji="1" lang="zh-CN" altLang="en-US" dirty="0"/>
+              <a:t> </a:t>
+            </a:r>
+            <a:r>
+              <a:rPr kumimoji="1" lang="en-US" altLang="zh-CN" dirty="0"/>
+              <a:t>TABLE</a:t>
+            </a:r>
+            <a:r>
+              <a:rPr kumimoji="1" lang="zh-CN" altLang="en-US" dirty="0"/>
+              <a:t> </a:t>
+            </a:r>
+            <a:r>
+              <a:rPr kumimoji="1" lang="en-US" altLang="zh-CN" dirty="0" err="1"/>
+              <a:t>mytable</a:t>
+            </a:r>
+            <a:r>
+              <a:rPr kumimoji="1" lang="zh-CN" altLang="en-US" dirty="0"/>
+              <a:t> </a:t>
+            </a:r>
+            <a:r>
+              <a:rPr kumimoji="1" lang="en-US" altLang="zh-CN" dirty="0"/>
+              <a:t>ENGIN</a:t>
+            </a:r>
+            <a:r>
+              <a:rPr kumimoji="1" lang="zh-CN" altLang="en-US" dirty="0"/>
+              <a:t> </a:t>
+            </a:r>
+            <a:r>
+              <a:rPr kumimoji="1" lang="en-US" altLang="zh-CN" dirty="0"/>
+              <a:t>=</a:t>
+            </a:r>
+            <a:r>
+              <a:rPr kumimoji="1" lang="zh-CN" altLang="en-US" dirty="0"/>
+              <a:t> </a:t>
+            </a:r>
+            <a:r>
+              <a:rPr kumimoji="1" lang="en-US" altLang="zh-CN" dirty="0" err="1"/>
+              <a:t>InnoDB</a:t>
+            </a:r>
+            <a:endParaRPr kumimoji="1" lang="en-US" altLang="zh-CN" dirty="0"/>
+          </a:p>
+          <a:p>
+            <a:r>
+              <a:rPr kumimoji="1" lang="en-US" altLang="zh-CN" dirty="0"/>
+              <a:t>INSERT</a:t>
+            </a:r>
+            <a:r>
+              <a:rPr kumimoji="1" lang="zh-CN" altLang="en-US" dirty="0"/>
+              <a:t> </a:t>
+            </a:r>
+            <a:r>
+              <a:rPr kumimoji="1" lang="en-US" altLang="zh-CN" dirty="0"/>
+              <a:t>INTO</a:t>
+            </a:r>
+            <a:r>
+              <a:rPr kumimoji="1" lang="zh-CN" altLang="en-US" dirty="0"/>
+              <a:t> </a:t>
+            </a:r>
+            <a:r>
+              <a:rPr kumimoji="1" lang="en-US" altLang="zh-CN" dirty="0" err="1"/>
+              <a:t>innodb_table</a:t>
+            </a:r>
+            <a:r>
+              <a:rPr kumimoji="1" lang="zh-CN" altLang="en-US" dirty="0"/>
+              <a:t> </a:t>
+            </a:r>
+            <a:r>
+              <a:rPr kumimoji="1" lang="en-US" altLang="zh-CN" dirty="0"/>
+              <a:t>SELECT</a:t>
+            </a:r>
+            <a:r>
+              <a:rPr kumimoji="1" lang="zh-CN" altLang="en-US" dirty="0"/>
+              <a:t> * </a:t>
+            </a:r>
+            <a:r>
+              <a:rPr kumimoji="1" lang="en-US" altLang="zh-CN" dirty="0"/>
+              <a:t>FROM</a:t>
+            </a:r>
+            <a:r>
+              <a:rPr kumimoji="1" lang="zh-CN" altLang="en-US" dirty="0"/>
+              <a:t> </a:t>
+            </a:r>
+            <a:r>
+              <a:rPr kumimoji="1" lang="en-US" altLang="zh-CN" dirty="0" err="1"/>
+              <a:t>myisam_table</a:t>
+            </a:r>
+            <a:endParaRPr kumimoji="1" lang="en-US" altLang="zh-CN" dirty="0"/>
+          </a:p>
+          <a:p>
+            <a:r>
+              <a:rPr kumimoji="1" lang="en-US" altLang="zh-CN" dirty="0"/>
+              <a:t>CREATE</a:t>
+            </a:r>
+            <a:r>
+              <a:rPr kumimoji="1" lang="zh-CN" altLang="en-US" dirty="0"/>
+              <a:t> </a:t>
+            </a:r>
+            <a:r>
+              <a:rPr kumimoji="1" lang="en-US" altLang="zh-CN" dirty="0"/>
+              <a:t>TABLE</a:t>
+            </a:r>
+            <a:r>
+              <a:rPr kumimoji="1" lang="zh-CN" altLang="en-US" dirty="0"/>
+              <a:t> </a:t>
+            </a:r>
+            <a:r>
+              <a:rPr kumimoji="1" lang="en-US" altLang="zh-CN" dirty="0" err="1"/>
+              <a:t>my_summary_new</a:t>
+            </a:r>
+            <a:r>
+              <a:rPr kumimoji="1" lang="zh-CN" altLang="en-US" dirty="0"/>
+              <a:t> </a:t>
+            </a:r>
+            <a:r>
+              <a:rPr kumimoji="1" lang="en-US" altLang="zh-CN" dirty="0"/>
+              <a:t>LIKE</a:t>
+            </a:r>
+            <a:r>
+              <a:rPr kumimoji="1" lang="zh-CN" altLang="en-US" dirty="0"/>
+              <a:t> </a:t>
+            </a:r>
+            <a:r>
+              <a:rPr kumimoji="1" lang="en-US" altLang="zh-CN" dirty="0" err="1"/>
+              <a:t>my_summary</a:t>
+            </a:r>
+            <a:endParaRPr kumimoji="1" lang="en-US" altLang="zh-CN" dirty="0"/>
+          </a:p>
+          <a:p>
+            <a:r>
+              <a:rPr kumimoji="1" lang="en-US" altLang="zh-CN" dirty="0"/>
+              <a:t>RENAME</a:t>
+            </a:r>
+            <a:r>
+              <a:rPr kumimoji="1" lang="zh-CN" altLang="en-US" dirty="0"/>
+              <a:t> </a:t>
+            </a:r>
+            <a:r>
+              <a:rPr kumimoji="1" lang="en-US" altLang="zh-CN" dirty="0"/>
+              <a:t>TABLE</a:t>
+            </a:r>
+            <a:r>
+              <a:rPr kumimoji="1" lang="zh-CN" altLang="en-US" dirty="0"/>
+              <a:t> </a:t>
+            </a:r>
+            <a:r>
+              <a:rPr kumimoji="1" lang="en-US" altLang="zh-CN" dirty="0" err="1"/>
+              <a:t>my_summary</a:t>
+            </a:r>
+            <a:r>
+              <a:rPr kumimoji="1" lang="zh-CN" altLang="en-US" dirty="0"/>
+              <a:t> </a:t>
+            </a:r>
+            <a:r>
+              <a:rPr kumimoji="1" lang="en-US" altLang="zh-CN" dirty="0"/>
+              <a:t>TO</a:t>
+            </a:r>
+            <a:r>
+              <a:rPr kumimoji="1" lang="zh-CN" altLang="en-US" dirty="0"/>
+              <a:t> </a:t>
+            </a:r>
+            <a:r>
+              <a:rPr kumimoji="1" lang="en-US" altLang="zh-CN" dirty="0" err="1"/>
+              <a:t>my_summary_old</a:t>
+            </a:r>
+            <a:endParaRPr kumimoji="1" lang="en-US" altLang="zh-CN" dirty="0"/>
+          </a:p>
+          <a:p>
+            <a:r>
+              <a:rPr kumimoji="1" lang="en-US" altLang="zh-CN" dirty="0"/>
+              <a:t>FLUSH</a:t>
+            </a:r>
+            <a:r>
+              <a:rPr kumimoji="1" lang="zh-CN" altLang="en-US" dirty="0"/>
+              <a:t> </a:t>
+            </a:r>
+            <a:r>
+              <a:rPr kumimoji="1" lang="en-US" altLang="zh-CN" dirty="0"/>
+              <a:t>TABLES</a:t>
+            </a:r>
+            <a:r>
+              <a:rPr kumimoji="1" lang="zh-CN" altLang="en-US" dirty="0"/>
+              <a:t> </a:t>
+            </a:r>
+            <a:r>
+              <a:rPr kumimoji="1" lang="en-US" altLang="zh-CN" dirty="0"/>
+              <a:t>WITH</a:t>
+            </a:r>
+            <a:r>
+              <a:rPr kumimoji="1" lang="zh-CN" altLang="en-US" dirty="0"/>
+              <a:t> </a:t>
+            </a:r>
+            <a:r>
+              <a:rPr kumimoji="1" lang="en-US" altLang="zh-CN" dirty="0"/>
+              <a:t>READ</a:t>
+            </a:r>
+            <a:r>
+              <a:rPr kumimoji="1" lang="zh-CN" altLang="en-US" dirty="0"/>
+              <a:t> </a:t>
+            </a:r>
+            <a:r>
+              <a:rPr kumimoji="1" lang="en-US" altLang="zh-CN" dirty="0"/>
+              <a:t>LOCK;</a:t>
+            </a:r>
+            <a:r>
+              <a:rPr kumimoji="1" lang="zh-CN" altLang="en-US" dirty="0"/>
+              <a:t> </a:t>
+            </a:r>
+            <a:r>
+              <a:rPr kumimoji="1" lang="en-US" altLang="zh-CN" dirty="0"/>
+              <a:t>UNLOCK</a:t>
+            </a:r>
+            <a:r>
+              <a:rPr kumimoji="1" lang="zh-CN" altLang="en-US" dirty="0"/>
+              <a:t> </a:t>
+            </a:r>
+            <a:r>
+              <a:rPr kumimoji="1" lang="en-US" altLang="zh-CN" dirty="0"/>
+              <a:t>TABLE</a:t>
+            </a:r>
+          </a:p>
+          <a:p>
+            <a:r>
+              <a:rPr kumimoji="1" lang="en-US" altLang="zh-CN" dirty="0"/>
+              <a:t>OPTIMIZE</a:t>
+            </a:r>
+            <a:r>
+              <a:rPr kumimoji="1" lang="zh-CN" altLang="en-US" dirty="0"/>
+              <a:t> </a:t>
+            </a:r>
+            <a:r>
+              <a:rPr kumimoji="1" lang="en-US" altLang="zh-CN" dirty="0"/>
+              <a:t>TABLE</a:t>
+            </a:r>
+            <a:r>
+              <a:rPr kumimoji="1" lang="zh-CN" altLang="en-US" dirty="0"/>
+              <a:t>：重新整理数据</a:t>
+            </a:r>
+            <a:endParaRPr kumimoji="1" lang="en-US" altLang="zh-CN" dirty="0"/>
+          </a:p>
+          <a:p>
+            <a:r>
+              <a:rPr kumimoji="1" lang="en-US" altLang="zh-CN" dirty="0"/>
+              <a:t>CHECK</a:t>
+            </a:r>
+            <a:r>
+              <a:rPr kumimoji="1" lang="zh-CN" altLang="en-US" dirty="0"/>
+              <a:t> </a:t>
+            </a:r>
+            <a:r>
+              <a:rPr kumimoji="1" lang="en-US" altLang="zh-CN" dirty="0"/>
+              <a:t>TABLE</a:t>
+            </a:r>
+            <a:r>
+              <a:rPr kumimoji="1" lang="zh-CN" altLang="en-US" dirty="0"/>
+              <a:t>：找到损坏的表，</a:t>
+            </a:r>
+            <a:r>
+              <a:rPr kumimoji="1" lang="en-US" altLang="zh-CN" dirty="0"/>
+              <a:t>REPAIR</a:t>
+            </a:r>
+            <a:r>
+              <a:rPr kumimoji="1" lang="zh-CN" altLang="en-US" dirty="0"/>
+              <a:t> </a:t>
+            </a:r>
+            <a:r>
+              <a:rPr kumimoji="1" lang="en-US" altLang="zh-CN" dirty="0"/>
+              <a:t>TABLE</a:t>
+            </a:r>
+            <a:r>
+              <a:rPr kumimoji="1" lang="zh-CN" altLang="en-US" dirty="0"/>
+              <a:t>修复表</a:t>
+            </a:r>
+            <a:endParaRPr kumimoji="1" lang="en-US" altLang="zh-CN" dirty="0"/>
+          </a:p>
+          <a:p>
+            <a:r>
+              <a:rPr kumimoji="1" lang="en-US" altLang="zh-CN" dirty="0"/>
+              <a:t>ANALYZE</a:t>
+            </a:r>
+            <a:r>
+              <a:rPr kumimoji="1" lang="zh-CN" altLang="en-US" dirty="0"/>
+              <a:t> </a:t>
+            </a:r>
+            <a:r>
+              <a:rPr kumimoji="1" lang="en-US" altLang="zh-CN" dirty="0"/>
+              <a:t>TABLE</a:t>
+            </a:r>
+            <a:r>
+              <a:rPr kumimoji="1" lang="zh-CN" altLang="en-US" dirty="0"/>
+              <a:t>：生成统计信息 </a:t>
+            </a:r>
+            <a:r>
+              <a:rPr kumimoji="1" lang="en-US" altLang="zh-CN" dirty="0"/>
+              <a:t>SHOW</a:t>
+            </a:r>
+            <a:r>
+              <a:rPr kumimoji="1" lang="zh-CN" altLang="en-US" dirty="0"/>
+              <a:t> </a:t>
+            </a:r>
+            <a:r>
+              <a:rPr kumimoji="1" lang="en-US" altLang="zh-CN" dirty="0"/>
+              <a:t>INDEX</a:t>
+            </a:r>
+            <a:r>
+              <a:rPr kumimoji="1" lang="zh-CN" altLang="en-US" dirty="0"/>
+              <a:t> </a:t>
+            </a:r>
+            <a:r>
+              <a:rPr kumimoji="1" lang="en-US" altLang="zh-CN" dirty="0"/>
+              <a:t>FROM</a:t>
+            </a:r>
+            <a:r>
+              <a:rPr kumimoji="1" lang="zh-CN" altLang="en-US" dirty="0"/>
+              <a:t>索引的基数</a:t>
+            </a:r>
+            <a:endParaRPr kumimoji="1" lang="en-US" altLang="zh-CN" dirty="0"/>
+          </a:p>
+          <a:p>
+            <a:r>
+              <a:rPr kumimoji="1" lang="en-US" altLang="zh-CN" dirty="0"/>
+              <a:t>SHOW</a:t>
+            </a:r>
+            <a:r>
+              <a:rPr kumimoji="1" lang="zh-CN" altLang="en-US" dirty="0"/>
+              <a:t> </a:t>
+            </a:r>
+            <a:r>
+              <a:rPr kumimoji="1" lang="en-US" altLang="zh-CN" dirty="0"/>
+              <a:t>FULL</a:t>
+            </a:r>
+            <a:r>
+              <a:rPr kumimoji="1" lang="zh-CN" altLang="en-US" dirty="0"/>
+              <a:t> </a:t>
+            </a:r>
+            <a:r>
+              <a:rPr kumimoji="1" lang="en-US" altLang="zh-CN" dirty="0"/>
+              <a:t>PROCESLIST</a:t>
+            </a:r>
+            <a:r>
+              <a:rPr kumimoji="1" lang="zh-CN" altLang="en-US" dirty="0"/>
+              <a:t>：</a:t>
+            </a:r>
+            <a:r>
+              <a:rPr kumimoji="1" lang="en-US" altLang="zh-CN" dirty="0"/>
+              <a:t>Command</a:t>
+            </a:r>
+            <a:r>
+              <a:rPr kumimoji="1" lang="zh-CN" altLang="en-US" dirty="0"/>
+              <a:t>列表示当前的状态</a:t>
+            </a:r>
+            <a:endParaRPr kumimoji="1" lang="en-US" altLang="zh-CN" dirty="0"/>
+          </a:p>
+          <a:p>
+            <a:r>
+              <a:rPr kumimoji="1" lang="en-US" altLang="zh-CN" dirty="0"/>
+              <a:t>SHOW</a:t>
+            </a:r>
+            <a:r>
+              <a:rPr kumimoji="1" lang="zh-CN" altLang="en-US" dirty="0"/>
+              <a:t> </a:t>
+            </a:r>
+            <a:r>
+              <a:rPr kumimoji="1" lang="en-US" altLang="zh-CN" dirty="0"/>
+              <a:t>MASTER</a:t>
+            </a:r>
+            <a:r>
+              <a:rPr kumimoji="1" lang="zh-CN" altLang="en-US" dirty="0"/>
+              <a:t> </a:t>
+            </a:r>
+            <a:r>
+              <a:rPr kumimoji="1" lang="en-US" altLang="zh-CN" dirty="0"/>
+              <a:t>STATUS</a:t>
+            </a:r>
+            <a:r>
+              <a:rPr kumimoji="1" lang="zh-CN" altLang="en-US" dirty="0"/>
+              <a:t>，查看是否有二进制日志文件</a:t>
+            </a:r>
+            <a:endParaRPr kumimoji="1" lang="en-US" altLang="zh-CN" dirty="0"/>
+          </a:p>
+        </p:txBody>
+      </p:sp>
+    </p:spTree>
+    <p:extLst>
+      <p:ext uri="{BB962C8B-B14F-4D97-AF65-F5344CB8AC3E}">
+        <p14:creationId xmlns:p14="http://schemas.microsoft.com/office/powerpoint/2010/main" val="3463487010"/>
+      </p:ext>
+    </p:extLst>
+  </p:cSld>
+  <p:clrMapOvr>
+    <a:masterClrMapping/>
+  </p:clrMapOvr>
+</p:sld>
+</file>
+
+<file path=ppt/slides/slide13.xml><?xml version="1.0" encoding="utf-8"?>
+<p:sld xmlns:a="http://schemas.openxmlformats.org/drawingml/2006/main" xmlns:r="http://schemas.openxmlformats.org/officeDocument/2006/relationships" xmlns:p="http://schemas.openxmlformats.org/presentationml/2006/main">
+  <p:cSld>
+    <p:spTree>
+      <p:nvGrpSpPr>
+        <p:cNvPr id="1" name=""/>
+        <p:cNvGrpSpPr/>
+        <p:nvPr/>
+      </p:nvGrpSpPr>
+      <p:grpSpPr>
+        <a:xfrm>
+          <a:off x="0" y="0"/>
+          <a:ext cx="0" cy="0"/>
+          <a:chOff x="0" y="0"/>
+          <a:chExt cx="0" cy="0"/>
+        </a:xfrm>
+      </p:grpSpPr>
+      <p:sp>
+        <p:nvSpPr>
+          <p:cNvPr id="2" name="标题 1">
+            <a:extLst>
+              <a:ext uri="{FF2B5EF4-FFF2-40B4-BE49-F238E27FC236}">
+                <a16:creationId xmlns:a16="http://schemas.microsoft.com/office/drawing/2014/main" id="{3260F9DA-AFCF-E34F-B681-32E9F1BDF90D}"/>
+              </a:ext>
+            </a:extLst>
+          </p:cNvPr>
+          <p:cNvSpPr>
+            <a:spLocks noGrp="1"/>
+          </p:cNvSpPr>
+          <p:nvPr>
+            <p:ph type="title"/>
+          </p:nvPr>
+        </p:nvSpPr>
+        <p:spPr/>
+        <p:txBody>
+          <a:bodyPr/>
+          <a:lstStyle/>
+          <a:p>
+            <a:r>
+              <a:rPr kumimoji="1" lang="zh-CN" altLang="en-US" dirty="0"/>
+              <a:t>工具</a:t>
+            </a:r>
+          </a:p>
+        </p:txBody>
+      </p:sp>
+      <p:sp>
+        <p:nvSpPr>
+          <p:cNvPr id="3" name="内容占位符 2">
+            <a:extLst>
+              <a:ext uri="{FF2B5EF4-FFF2-40B4-BE49-F238E27FC236}">
+                <a16:creationId xmlns:a16="http://schemas.microsoft.com/office/drawing/2014/main" id="{E176A03D-C4DC-1E46-A288-EB358E708B1F}"/>
+              </a:ext>
+            </a:extLst>
+          </p:cNvPr>
+          <p:cNvSpPr>
+            <a:spLocks noGrp="1"/>
+          </p:cNvSpPr>
+          <p:nvPr>
+            <p:ph idx="1"/>
+          </p:nvPr>
+        </p:nvSpPr>
+        <p:spPr/>
+        <p:txBody>
+          <a:bodyPr>
+            <a:normAutofit fontScale="77500" lnSpcReduction="20000"/>
+          </a:bodyPr>
+          <a:lstStyle/>
+          <a:p>
+            <a:r>
+              <a:rPr kumimoji="1" lang="en-US" altLang="zh-CN" dirty="0" err="1"/>
+              <a:t>pt</a:t>
+            </a:r>
+            <a:r>
+              <a:rPr kumimoji="1" lang="en-US" altLang="zh-CN" dirty="0"/>
+              <a:t>-online-schema-change</a:t>
+            </a:r>
+          </a:p>
+          <a:p>
+            <a:r>
+              <a:rPr kumimoji="1" lang="en-US" altLang="zh-CN" dirty="0" err="1"/>
+              <a:t>pt</a:t>
+            </a:r>
+            <a:r>
+              <a:rPr kumimoji="1" lang="en-US" altLang="zh-CN" dirty="0"/>
+              <a:t>-query-digest</a:t>
+            </a:r>
+            <a:r>
+              <a:rPr kumimoji="1" lang="zh-CN" altLang="en-US" dirty="0"/>
+              <a:t>，</a:t>
+            </a:r>
+            <a:r>
+              <a:rPr kumimoji="1" lang="en-US" altLang="zh-CN" dirty="0"/>
+              <a:t>--</a:t>
+            </a:r>
+            <a:r>
+              <a:rPr kumimoji="1" lang="en-US" altLang="zh-CN" dirty="0" err="1"/>
+              <a:t>processlist</a:t>
+            </a:r>
+            <a:r>
+              <a:rPr kumimoji="1" lang="zh-CN" altLang="en-US" dirty="0"/>
+              <a:t> </a:t>
+            </a:r>
+            <a:r>
+              <a:rPr kumimoji="1" lang="en-US" altLang="zh-CN" dirty="0"/>
+              <a:t>–type=</a:t>
+            </a:r>
+            <a:r>
+              <a:rPr kumimoji="1" lang="en-US" altLang="zh-CN" dirty="0" err="1"/>
+              <a:t>tcpdump</a:t>
+            </a:r>
+            <a:r>
+              <a:rPr kumimoji="1" lang="zh-CN" altLang="en-US" dirty="0"/>
+              <a:t> </a:t>
+            </a:r>
+            <a:r>
+              <a:rPr kumimoji="1" lang="en-US" altLang="zh-CN" dirty="0"/>
+              <a:t>--explain</a:t>
+            </a:r>
+          </a:p>
+          <a:p>
+            <a:r>
+              <a:rPr kumimoji="1" lang="en-US" altLang="zh-CN" dirty="0"/>
+              <a:t>New</a:t>
+            </a:r>
+            <a:r>
+              <a:rPr kumimoji="1" lang="zh-CN" altLang="en-US" dirty="0"/>
+              <a:t> </a:t>
+            </a:r>
+            <a:r>
+              <a:rPr kumimoji="1" lang="en-US" altLang="zh-CN" dirty="0"/>
+              <a:t>Relic</a:t>
+            </a:r>
+            <a:r>
+              <a:rPr kumimoji="1" lang="zh-CN" altLang="en-US" dirty="0"/>
+              <a:t>，插入应用程序中进行性能剖析</a:t>
+            </a:r>
+            <a:endParaRPr kumimoji="1" lang="en-US" altLang="zh-CN" dirty="0"/>
+          </a:p>
+          <a:p>
+            <a:r>
+              <a:rPr kumimoji="1" lang="en-US" altLang="zh-CN" dirty="0" err="1"/>
+              <a:t>Xhprof</a:t>
+            </a:r>
+            <a:r>
+              <a:rPr kumimoji="1" lang="zh-CN" altLang="en-US" dirty="0"/>
+              <a:t>，</a:t>
+            </a:r>
+            <a:r>
+              <a:rPr kumimoji="1" lang="en-US" altLang="zh-CN" dirty="0" err="1"/>
+              <a:t>facebook</a:t>
+            </a:r>
+            <a:r>
+              <a:rPr kumimoji="1" lang="zh-CN" altLang="en-US" dirty="0"/>
+              <a:t>的</a:t>
+            </a:r>
+            <a:r>
+              <a:rPr kumimoji="1" lang="en-US" altLang="zh-CN" dirty="0"/>
+              <a:t>php</a:t>
+            </a:r>
+            <a:r>
+              <a:rPr kumimoji="1" lang="zh-CN" altLang="en-US" dirty="0"/>
+              <a:t>性能剖析工具</a:t>
+            </a:r>
+            <a:endParaRPr kumimoji="1" lang="en-US" altLang="zh-CN" dirty="0"/>
+          </a:p>
+          <a:p>
+            <a:r>
+              <a:rPr kumimoji="1" lang="en-US" altLang="zh-CN" dirty="0" err="1"/>
+              <a:t>Ifp</a:t>
+            </a:r>
+            <a:r>
+              <a:rPr kumimoji="1" lang="zh-CN" altLang="en-US" dirty="0"/>
+              <a:t>，应用程序的请求，数据库的查询和缓存的查询</a:t>
+            </a:r>
+            <a:endParaRPr kumimoji="1" lang="en-US" altLang="zh-CN" dirty="0"/>
+          </a:p>
+          <a:p>
+            <a:r>
+              <a:rPr kumimoji="1" lang="en-US" altLang="zh-CN" dirty="0" err="1"/>
+              <a:t>pt</a:t>
+            </a:r>
+            <a:r>
+              <a:rPr kumimoji="1" lang="en-US" altLang="zh-CN" dirty="0"/>
+              <a:t>-stalk</a:t>
+            </a:r>
+            <a:r>
+              <a:rPr kumimoji="1" lang="zh-CN" altLang="en-US" dirty="0"/>
+              <a:t>，只需配置需要监控的变量、阈值、检查的频率等</a:t>
+            </a:r>
+            <a:endParaRPr kumimoji="1" lang="en-US" altLang="zh-CN" dirty="0"/>
+          </a:p>
+          <a:p>
+            <a:r>
+              <a:rPr kumimoji="1" lang="en-US" altLang="zh-CN" dirty="0" err="1"/>
+              <a:t>oprofile</a:t>
+            </a:r>
+            <a:r>
+              <a:rPr kumimoji="1" lang="en-US" altLang="zh-CN" dirty="0"/>
+              <a:t>,</a:t>
+            </a:r>
+            <a:r>
+              <a:rPr kumimoji="1" lang="zh-CN" altLang="en-US" dirty="0"/>
+              <a:t> </a:t>
+            </a:r>
+            <a:r>
+              <a:rPr kumimoji="1" lang="en-US" altLang="zh-CN" dirty="0" err="1"/>
+              <a:t>gdb</a:t>
+            </a:r>
+            <a:r>
+              <a:rPr kumimoji="1" lang="en-US" altLang="zh-CN" dirty="0"/>
+              <a:t>,</a:t>
+            </a:r>
+            <a:r>
+              <a:rPr kumimoji="1" lang="zh-CN" altLang="en-US" dirty="0"/>
+              <a:t> </a:t>
+            </a:r>
+            <a:r>
+              <a:rPr kumimoji="1" lang="en-US" altLang="zh-CN" dirty="0" err="1"/>
+              <a:t>pt-pmp</a:t>
+            </a:r>
+            <a:endParaRPr kumimoji="1" lang="en-US" altLang="zh-CN" dirty="0"/>
+          </a:p>
+          <a:p>
+            <a:r>
+              <a:rPr kumimoji="1" lang="en-US" altLang="zh-CN" dirty="0" err="1"/>
+              <a:t>Flexviews</a:t>
+            </a:r>
+            <a:r>
+              <a:rPr kumimoji="1" lang="zh-CN" altLang="en-US" dirty="0"/>
+              <a:t>：物化视图</a:t>
+            </a:r>
+            <a:endParaRPr kumimoji="1" lang="en-US" altLang="zh-CN" dirty="0"/>
+          </a:p>
+          <a:p>
+            <a:r>
+              <a:rPr kumimoji="1" lang="en-US" altLang="zh-CN" dirty="0" err="1"/>
+              <a:t>common_schema</a:t>
+            </a:r>
+            <a:r>
+              <a:rPr kumimoji="1" lang="zh-CN" altLang="en-US" dirty="0"/>
+              <a:t>常用的存储和视图</a:t>
+            </a:r>
+            <a:endParaRPr kumimoji="1" lang="en-US" altLang="zh-CN" dirty="0"/>
+          </a:p>
+          <a:p>
+            <a:r>
+              <a:rPr kumimoji="1" lang="en-US" altLang="zh-CN" dirty="0" err="1"/>
+              <a:t>pt</a:t>
+            </a:r>
+            <a:r>
+              <a:rPr kumimoji="1" lang="en-US" altLang="zh-CN" dirty="0"/>
+              <a:t>-duplicate-key-checker</a:t>
+            </a:r>
+            <a:r>
+              <a:rPr kumimoji="1" lang="zh-CN" altLang="en-US" dirty="0"/>
+              <a:t>找出冗余和重复的索引</a:t>
+            </a:r>
+            <a:endParaRPr kumimoji="1" lang="en-US" altLang="zh-CN" dirty="0"/>
+          </a:p>
+          <a:p>
+            <a:r>
+              <a:rPr kumimoji="1" lang="en-US" altLang="zh-CN" dirty="0" err="1"/>
+              <a:t>pt</a:t>
+            </a:r>
+            <a:r>
+              <a:rPr kumimoji="1" lang="en-US" altLang="zh-CN" dirty="0"/>
+              <a:t>-upgrade</a:t>
+            </a:r>
+            <a:r>
+              <a:rPr kumimoji="1" lang="zh-CN" altLang="en-US" dirty="0"/>
+              <a:t>检查计划中的索引变更</a:t>
+            </a:r>
+            <a:endParaRPr kumimoji="1" lang="en-US" altLang="zh-CN" dirty="0"/>
+          </a:p>
+          <a:p>
+            <a:r>
+              <a:rPr kumimoji="1" lang="en-US" altLang="zh-CN" dirty="0" err="1"/>
+              <a:t>pt</a:t>
+            </a:r>
+            <a:r>
+              <a:rPr kumimoji="1" lang="en-US" altLang="zh-CN" dirty="0"/>
+              <a:t>-index-usage</a:t>
+            </a:r>
+            <a:r>
+              <a:rPr kumimoji="1" lang="zh-CN" altLang="en-US" dirty="0"/>
+              <a:t>：查找哪些索引未使用过</a:t>
+            </a:r>
+            <a:endParaRPr kumimoji="1" lang="en-US" altLang="zh-CN" dirty="0"/>
+          </a:p>
+          <a:p>
+            <a:pPr marL="0" indent="0">
+              <a:buNone/>
+            </a:pPr>
+            <a:endParaRPr kumimoji="1" lang="zh-CN" altLang="en-US" dirty="0"/>
+          </a:p>
+        </p:txBody>
+      </p:sp>
+    </p:spTree>
+    <p:extLst>
+      <p:ext uri="{BB962C8B-B14F-4D97-AF65-F5344CB8AC3E}">
+        <p14:creationId xmlns:p14="http://schemas.microsoft.com/office/powerpoint/2010/main" val="3570629165"/>
+      </p:ext>
+    </p:extLst>
+  </p:cSld>
+  <p:clrMapOvr>
+    <a:masterClrMapping/>
+  </p:clrMapOvr>
+</p:sld>
+</file>
+
 <file path=ppt/slides/slide2.xml><?xml version="1.0" encoding="utf-8"?>
 <p:sld xmlns:a="http://schemas.openxmlformats.org/drawingml/2006/main" xmlns:r="http://schemas.openxmlformats.org/officeDocument/2006/relationships" xmlns:p="http://schemas.openxmlformats.org/presentationml/2006/main">
   <p:cSld>
@@ -6315,7 +7375,7 @@
         <p:spPr/>
         <p:txBody>
           <a:bodyPr>
-            <a:normAutofit lnSpcReduction="10000"/>
+            <a:normAutofit fontScale="62500" lnSpcReduction="20000"/>
           </a:bodyPr>
           <a:lstStyle/>
           <a:p>
@@ -6385,18 +7445,161 @@
             <a:endParaRPr kumimoji="1" lang="en-US" altLang="zh-CN" dirty="0"/>
           </a:p>
           <a:p>
+            <a:r>
+              <a:rPr kumimoji="1" lang="zh-CN" altLang="en-US" dirty="0"/>
+              <a:t>查询执行的基础</a:t>
+            </a:r>
+            <a:endParaRPr kumimoji="1" lang="en-US" altLang="zh-CN" dirty="0"/>
+          </a:p>
+          <a:p>
             <a:pPr lvl="1"/>
             <a:r>
               <a:rPr kumimoji="1" lang="zh-CN" altLang="en-US" dirty="0"/>
-              <a:t>查询执行的基础，查询路径</a:t>
+              <a:t>查询路径，查询缓存</a:t>
+            </a:r>
+            <a:r>
+              <a:rPr kumimoji="1" lang="en-US" altLang="zh-CN" dirty="0"/>
+              <a:t>-&gt;</a:t>
+            </a:r>
+            <a:r>
+              <a:rPr kumimoji="1" lang="zh-CN" altLang="en-US" dirty="0"/>
+              <a:t>解析器</a:t>
+            </a:r>
+            <a:r>
+              <a:rPr kumimoji="1" lang="en-US" altLang="zh-CN" dirty="0"/>
+              <a:t>-&gt;</a:t>
+            </a:r>
+            <a:r>
+              <a:rPr kumimoji="1" lang="zh-CN" altLang="en-US" dirty="0"/>
+              <a:t>预处理</a:t>
+            </a:r>
+            <a:r>
+              <a:rPr kumimoji="1" lang="en-US" altLang="zh-CN" dirty="0"/>
+              <a:t>-&gt;</a:t>
+            </a:r>
+            <a:r>
+              <a:rPr kumimoji="1" lang="zh-CN" altLang="en-US" dirty="0"/>
+              <a:t>执行计划</a:t>
+            </a:r>
+            <a:r>
+              <a:rPr kumimoji="1" lang="en-US" altLang="zh-CN" dirty="0"/>
+              <a:t>-&gt;</a:t>
+            </a:r>
+            <a:r>
+              <a:rPr kumimoji="1" lang="zh-CN" altLang="en-US" dirty="0"/>
+              <a:t>存储引擎</a:t>
+            </a:r>
+            <a:r>
+              <a:rPr kumimoji="1" lang="en-US" altLang="zh-CN" dirty="0"/>
+              <a:t>API</a:t>
+            </a:r>
+          </a:p>
+          <a:p>
+            <a:r>
+              <a:rPr kumimoji="1" lang="zh-CN" altLang="en-US" dirty="0"/>
+              <a:t>优化特定类型的查询</a:t>
             </a:r>
             <a:endParaRPr kumimoji="1" lang="en-US" altLang="zh-CN" dirty="0"/>
           </a:p>
           <a:p>
             <a:pPr lvl="1"/>
             <a:r>
-              <a:rPr kumimoji="1" lang="zh-CN" altLang="en-US"/>
-              <a:t>查询缓存</a:t>
+              <a:rPr kumimoji="1" lang="zh-CN" altLang="en-US" dirty="0"/>
+              <a:t>优化</a:t>
+            </a:r>
+            <a:r>
+              <a:rPr kumimoji="1" lang="en-US" altLang="zh-CN" dirty="0"/>
+              <a:t>COUNT()</a:t>
+            </a:r>
+            <a:r>
+              <a:rPr kumimoji="1" lang="zh-CN" altLang="en-US" dirty="0"/>
+              <a:t>查询</a:t>
+            </a:r>
+            <a:endParaRPr kumimoji="1" lang="en-US" altLang="zh-CN" dirty="0"/>
+          </a:p>
+          <a:p>
+            <a:pPr lvl="1"/>
+            <a:r>
+              <a:rPr kumimoji="1" lang="zh-CN" altLang="en-US" dirty="0"/>
+              <a:t>优化关联查询</a:t>
+            </a:r>
+            <a:endParaRPr kumimoji="1" lang="en-US" altLang="zh-CN" dirty="0"/>
+          </a:p>
+          <a:p>
+            <a:pPr lvl="1"/>
+            <a:r>
+              <a:rPr kumimoji="1" lang="zh-CN" altLang="en-US" dirty="0"/>
+              <a:t>优化子查询</a:t>
+            </a:r>
+            <a:endParaRPr kumimoji="1" lang="en-US" altLang="zh-CN" dirty="0"/>
+          </a:p>
+          <a:p>
+            <a:pPr lvl="1"/>
+            <a:r>
+              <a:rPr kumimoji="1" lang="zh-CN" altLang="en-US" dirty="0"/>
+              <a:t>优化</a:t>
+            </a:r>
+            <a:r>
+              <a:rPr kumimoji="1" lang="en-US" altLang="zh-CN" dirty="0"/>
+              <a:t>GROUP</a:t>
+            </a:r>
+            <a:r>
+              <a:rPr kumimoji="1" lang="zh-CN" altLang="en-US" dirty="0"/>
+              <a:t> </a:t>
+            </a:r>
+            <a:r>
+              <a:rPr kumimoji="1" lang="en-US" altLang="zh-CN" dirty="0"/>
+              <a:t>BY</a:t>
+            </a:r>
+            <a:r>
+              <a:rPr kumimoji="1" lang="zh-CN" altLang="en-US" dirty="0"/>
+              <a:t>和</a:t>
+            </a:r>
+            <a:r>
+              <a:rPr kumimoji="1" lang="en-US" altLang="zh-CN" dirty="0"/>
+              <a:t>DISTINCT</a:t>
+            </a:r>
+          </a:p>
+          <a:p>
+            <a:pPr lvl="1"/>
+            <a:r>
+              <a:rPr kumimoji="1" lang="zh-CN" altLang="en-US" dirty="0"/>
+              <a:t>优化</a:t>
+            </a:r>
+            <a:r>
+              <a:rPr kumimoji="1" lang="en-US" altLang="zh-CN" dirty="0"/>
+              <a:t>LIMIT</a:t>
+            </a:r>
+            <a:r>
+              <a:rPr kumimoji="1" lang="zh-CN" altLang="en-US" dirty="0"/>
+              <a:t>分页</a:t>
+            </a:r>
+            <a:endParaRPr kumimoji="1" lang="en-US" altLang="zh-CN" dirty="0"/>
+          </a:p>
+          <a:p>
+            <a:pPr lvl="1"/>
+            <a:r>
+              <a:rPr kumimoji="1" lang="zh-CN" altLang="en-US" dirty="0"/>
+              <a:t>优化</a:t>
+            </a:r>
+            <a:r>
+              <a:rPr kumimoji="1" lang="en-US" altLang="zh-CN" dirty="0"/>
+              <a:t>SQL_CALC_FOUND_ROWS</a:t>
+            </a:r>
+          </a:p>
+          <a:p>
+            <a:pPr lvl="1"/>
+            <a:r>
+              <a:rPr kumimoji="1" lang="zh-CN" altLang="en-US" dirty="0"/>
+              <a:t>优化</a:t>
+            </a:r>
+            <a:r>
+              <a:rPr kumimoji="1" lang="en-US" altLang="zh-CN" dirty="0"/>
+              <a:t>UNION</a:t>
+            </a:r>
+            <a:r>
+              <a:rPr kumimoji="1" lang="zh-CN" altLang="en-US" dirty="0"/>
+              <a:t>查询</a:t>
             </a:r>
             <a:endParaRPr kumimoji="1" lang="en-US" altLang="zh-CN" dirty="0"/>
           </a:p>
@@ -6437,7 +7640,7 @@
           <p:cNvPr id="2" name="标题 1">
             <a:extLst>
               <a:ext uri="{FF2B5EF4-FFF2-40B4-BE49-F238E27FC236}">
-                <a16:creationId xmlns:a16="http://schemas.microsoft.com/office/drawing/2014/main" id="{4A8DD5AD-9979-334B-B367-DC0A74A05562}"/>
+                <a16:creationId xmlns:a16="http://schemas.microsoft.com/office/drawing/2014/main" id="{CDC2679C-AFBB-D34B-A56D-9BD4B4823CCD}"/>
               </a:ext>
             </a:extLst>
           </p:cNvPr>
@@ -6455,7 +7658,15 @@
           <a:p>
             <a:r>
               <a:rPr kumimoji="1" lang="zh-CN" altLang="en-US" dirty="0"/>
-              <a:t>命令</a:t>
+              <a:t>七 </a:t>
+            </a:r>
+            <a:r>
+              <a:rPr kumimoji="1" lang="en-US" altLang="zh-CN" dirty="0"/>
+              <a:t>MySQL</a:t>
+            </a:r>
+            <a:r>
+              <a:rPr kumimoji="1" lang="zh-CN" altLang="en-US" dirty="0"/>
+              <a:t>高级特性</a:t>
             </a:r>
           </a:p>
         </p:txBody>
@@ -6465,7 +7676,7 @@
           <p:cNvPr id="3" name="内容占位符 2">
             <a:extLst>
               <a:ext uri="{FF2B5EF4-FFF2-40B4-BE49-F238E27FC236}">
-                <a16:creationId xmlns:a16="http://schemas.microsoft.com/office/drawing/2014/main" id="{C8DE0C06-F215-E840-A8C3-9CA53A22D2B4}"/>
+                <a16:creationId xmlns:a16="http://schemas.microsoft.com/office/drawing/2014/main" id="{713E9C51-477A-AC47-A54C-2A57E1CACF68}"/>
               </a:ext>
             </a:extLst>
           </p:cNvPr>
@@ -6478,420 +7689,114 @@
         </p:nvSpPr>
         <p:spPr/>
         <p:txBody>
-          <a:bodyPr>
-            <a:normAutofit fontScale="92500" lnSpcReduction="20000"/>
-          </a:bodyPr>
+          <a:bodyPr/>
           <a:lstStyle/>
           <a:p>
             <a:r>
-              <a:rPr kumimoji="1" lang="en-US" altLang="zh-CN" dirty="0"/>
-              <a:t>SHOW</a:t>
-            </a:r>
-            <a:r>
-              <a:rPr kumimoji="1" lang="zh-CN" altLang="en-US" dirty="0"/>
-              <a:t> </a:t>
-            </a:r>
-            <a:r>
-              <a:rPr kumimoji="1" lang="en-US" altLang="zh-CN" dirty="0"/>
-              <a:t>TABLE</a:t>
-            </a:r>
-            <a:r>
-              <a:rPr kumimoji="1" lang="zh-CN" altLang="en-US" dirty="0"/>
-              <a:t> </a:t>
-            </a:r>
-            <a:r>
-              <a:rPr kumimoji="1" lang="en-US" altLang="zh-CN" dirty="0"/>
-              <a:t>STATUS</a:t>
-            </a:r>
-            <a:r>
-              <a:rPr kumimoji="1" lang="zh-CN" altLang="en-US" dirty="0"/>
-              <a:t> </a:t>
-            </a:r>
-            <a:r>
-              <a:rPr kumimoji="1" lang="en-US" altLang="zh-CN" dirty="0"/>
-              <a:t>LIKE</a:t>
-            </a:r>
-            <a:r>
-              <a:rPr kumimoji="1" lang="zh-CN" altLang="en-US" dirty="0"/>
-              <a:t> </a:t>
-            </a:r>
-            <a:r>
-              <a:rPr kumimoji="1" lang="en-US" altLang="zh-CN" dirty="0"/>
-              <a:t>‘user’</a:t>
-            </a:r>
-            <a:r>
-              <a:rPr kumimoji="1" lang="zh-CN" altLang="en-US" dirty="0"/>
-              <a:t> </a:t>
-            </a:r>
-            <a:r>
-              <a:rPr kumimoji="1" lang="en-US" altLang="zh-CN" dirty="0"/>
-              <a:t>\G</a:t>
-            </a:r>
-          </a:p>
-          <a:p>
-            <a:r>
-              <a:rPr kumimoji="1" lang="en-US" altLang="zh-CN" dirty="0"/>
-              <a:t>ALTER</a:t>
-            </a:r>
-            <a:r>
-              <a:rPr kumimoji="1" lang="zh-CN" altLang="en-US" dirty="0"/>
-              <a:t> </a:t>
-            </a:r>
-            <a:r>
-              <a:rPr kumimoji="1" lang="en-US" altLang="zh-CN" dirty="0"/>
-              <a:t>TABLE</a:t>
-            </a:r>
-            <a:r>
-              <a:rPr kumimoji="1" lang="zh-CN" altLang="en-US" dirty="0"/>
-              <a:t> </a:t>
-            </a:r>
-            <a:r>
-              <a:rPr kumimoji="1" lang="en-US" altLang="zh-CN" dirty="0" err="1"/>
-              <a:t>mytable</a:t>
-            </a:r>
-            <a:r>
-              <a:rPr kumimoji="1" lang="zh-CN" altLang="en-US" dirty="0"/>
-              <a:t> </a:t>
-            </a:r>
-            <a:r>
-              <a:rPr kumimoji="1" lang="en-US" altLang="zh-CN" dirty="0"/>
-              <a:t>ENGIN</a:t>
-            </a:r>
-            <a:r>
-              <a:rPr kumimoji="1" lang="zh-CN" altLang="en-US" dirty="0"/>
-              <a:t> </a:t>
-            </a:r>
-            <a:r>
-              <a:rPr kumimoji="1" lang="en-US" altLang="zh-CN" dirty="0"/>
-              <a:t>=</a:t>
-            </a:r>
-            <a:r>
-              <a:rPr kumimoji="1" lang="zh-CN" altLang="en-US" dirty="0"/>
-              <a:t> </a:t>
-            </a:r>
-            <a:r>
-              <a:rPr kumimoji="1" lang="en-US" altLang="zh-CN" dirty="0" err="1"/>
-              <a:t>InnoDB</a:t>
-            </a:r>
-            <a:endParaRPr kumimoji="1" lang="en-US" altLang="zh-CN" dirty="0"/>
-          </a:p>
-          <a:p>
-            <a:r>
-              <a:rPr kumimoji="1" lang="en-US" altLang="zh-CN" dirty="0"/>
-              <a:t>INSERT</a:t>
-            </a:r>
-            <a:r>
-              <a:rPr kumimoji="1" lang="zh-CN" altLang="en-US" dirty="0"/>
-              <a:t> </a:t>
-            </a:r>
-            <a:r>
-              <a:rPr kumimoji="1" lang="en-US" altLang="zh-CN" dirty="0"/>
-              <a:t>INTO</a:t>
-            </a:r>
-            <a:r>
-              <a:rPr kumimoji="1" lang="zh-CN" altLang="en-US" dirty="0"/>
-              <a:t> </a:t>
-            </a:r>
-            <a:r>
-              <a:rPr kumimoji="1" lang="en-US" altLang="zh-CN" dirty="0" err="1"/>
-              <a:t>innodb_table</a:t>
-            </a:r>
-            <a:r>
-              <a:rPr kumimoji="1" lang="zh-CN" altLang="en-US" dirty="0"/>
-              <a:t> </a:t>
-            </a:r>
-            <a:r>
-              <a:rPr kumimoji="1" lang="en-US" altLang="zh-CN" dirty="0"/>
-              <a:t>SELECT</a:t>
-            </a:r>
-            <a:r>
-              <a:rPr kumimoji="1" lang="zh-CN" altLang="en-US" dirty="0"/>
-              <a:t> * </a:t>
-            </a:r>
-            <a:r>
-              <a:rPr kumimoji="1" lang="en-US" altLang="zh-CN" dirty="0"/>
-              <a:t>FROM</a:t>
-            </a:r>
-            <a:r>
-              <a:rPr kumimoji="1" lang="zh-CN" altLang="en-US" dirty="0"/>
-              <a:t> </a:t>
-            </a:r>
-            <a:r>
-              <a:rPr kumimoji="1" lang="en-US" altLang="zh-CN" dirty="0" err="1"/>
-              <a:t>myisam_table</a:t>
-            </a:r>
-            <a:endParaRPr kumimoji="1" lang="en-US" altLang="zh-CN" dirty="0"/>
-          </a:p>
-          <a:p>
-            <a:r>
-              <a:rPr kumimoji="1" lang="en-US" altLang="zh-CN" dirty="0"/>
-              <a:t>CREATE</a:t>
-            </a:r>
-            <a:r>
-              <a:rPr kumimoji="1" lang="zh-CN" altLang="en-US" dirty="0"/>
-              <a:t> </a:t>
-            </a:r>
-            <a:r>
-              <a:rPr kumimoji="1" lang="en-US" altLang="zh-CN" dirty="0"/>
-              <a:t>TABLE</a:t>
-            </a:r>
-            <a:r>
-              <a:rPr kumimoji="1" lang="zh-CN" altLang="en-US" dirty="0"/>
-              <a:t> </a:t>
-            </a:r>
-            <a:r>
-              <a:rPr kumimoji="1" lang="en-US" altLang="zh-CN" dirty="0" err="1"/>
-              <a:t>my_summary_new</a:t>
-            </a:r>
-            <a:r>
-              <a:rPr kumimoji="1" lang="zh-CN" altLang="en-US" dirty="0"/>
-              <a:t> </a:t>
-            </a:r>
-            <a:r>
-              <a:rPr kumimoji="1" lang="en-US" altLang="zh-CN" dirty="0"/>
-              <a:t>LIKE</a:t>
-            </a:r>
-            <a:r>
-              <a:rPr kumimoji="1" lang="zh-CN" altLang="en-US" dirty="0"/>
-              <a:t> </a:t>
-            </a:r>
-            <a:r>
-              <a:rPr kumimoji="1" lang="en-US" altLang="zh-CN" dirty="0" err="1"/>
-              <a:t>my_summary</a:t>
-            </a:r>
-            <a:endParaRPr kumimoji="1" lang="en-US" altLang="zh-CN" dirty="0"/>
-          </a:p>
-          <a:p>
-            <a:r>
-              <a:rPr kumimoji="1" lang="en-US" altLang="zh-CN" dirty="0"/>
-              <a:t>RENAME</a:t>
-            </a:r>
-            <a:r>
-              <a:rPr kumimoji="1" lang="zh-CN" altLang="en-US" dirty="0"/>
-              <a:t> </a:t>
-            </a:r>
-            <a:r>
-              <a:rPr kumimoji="1" lang="en-US" altLang="zh-CN" dirty="0"/>
-              <a:t>TABLE</a:t>
-            </a:r>
-            <a:r>
-              <a:rPr kumimoji="1" lang="zh-CN" altLang="en-US" dirty="0"/>
-              <a:t> </a:t>
-            </a:r>
-            <a:r>
-              <a:rPr kumimoji="1" lang="en-US" altLang="zh-CN" dirty="0" err="1"/>
-              <a:t>my_summary</a:t>
-            </a:r>
-            <a:r>
-              <a:rPr kumimoji="1" lang="zh-CN" altLang="en-US" dirty="0"/>
-              <a:t> </a:t>
-            </a:r>
-            <a:r>
-              <a:rPr kumimoji="1" lang="en-US" altLang="zh-CN" dirty="0"/>
-              <a:t>TO</a:t>
-            </a:r>
-            <a:r>
-              <a:rPr kumimoji="1" lang="zh-CN" altLang="en-US" dirty="0"/>
-              <a:t> </a:t>
-            </a:r>
-            <a:r>
-              <a:rPr kumimoji="1" lang="en-US" altLang="zh-CN" dirty="0" err="1"/>
-              <a:t>my_summary_old</a:t>
-            </a:r>
-            <a:endParaRPr kumimoji="1" lang="en-US" altLang="zh-CN" dirty="0"/>
-          </a:p>
-          <a:p>
-            <a:r>
-              <a:rPr kumimoji="1" lang="en-US" altLang="zh-CN" dirty="0"/>
-              <a:t>FLUSH</a:t>
-            </a:r>
-            <a:r>
-              <a:rPr kumimoji="1" lang="zh-CN" altLang="en-US" dirty="0"/>
-              <a:t> </a:t>
-            </a:r>
-            <a:r>
-              <a:rPr kumimoji="1" lang="en-US" altLang="zh-CN" dirty="0"/>
-              <a:t>TABLES</a:t>
-            </a:r>
-            <a:r>
-              <a:rPr kumimoji="1" lang="zh-CN" altLang="en-US" dirty="0"/>
-              <a:t> </a:t>
-            </a:r>
-            <a:r>
-              <a:rPr kumimoji="1" lang="en-US" altLang="zh-CN" dirty="0"/>
-              <a:t>WITH</a:t>
-            </a:r>
-            <a:r>
-              <a:rPr kumimoji="1" lang="zh-CN" altLang="en-US" dirty="0"/>
-              <a:t> </a:t>
-            </a:r>
-            <a:r>
-              <a:rPr kumimoji="1" lang="en-US" altLang="zh-CN" dirty="0"/>
-              <a:t>READ</a:t>
-            </a:r>
-            <a:r>
-              <a:rPr kumimoji="1" lang="zh-CN" altLang="en-US" dirty="0"/>
-              <a:t> </a:t>
-            </a:r>
-            <a:r>
-              <a:rPr kumimoji="1" lang="en-US" altLang="zh-CN" dirty="0"/>
-              <a:t>LOCK;</a:t>
-            </a:r>
-            <a:r>
-              <a:rPr kumimoji="1" lang="zh-CN" altLang="en-US" dirty="0"/>
-              <a:t> </a:t>
-            </a:r>
-            <a:r>
-              <a:rPr kumimoji="1" lang="en-US" altLang="zh-CN" dirty="0"/>
-              <a:t>UNLOCK</a:t>
-            </a:r>
-            <a:r>
-              <a:rPr kumimoji="1" lang="zh-CN" altLang="en-US" dirty="0"/>
-              <a:t> </a:t>
-            </a:r>
-            <a:r>
-              <a:rPr kumimoji="1" lang="en-US" altLang="zh-CN" dirty="0"/>
-              <a:t>TABLE</a:t>
-            </a:r>
-          </a:p>
-          <a:p>
-            <a:r>
-              <a:rPr kumimoji="1" lang="en-US" altLang="zh-CN" dirty="0"/>
-              <a:t>OPTIMIZE</a:t>
-            </a:r>
-            <a:r>
-              <a:rPr kumimoji="1" lang="zh-CN" altLang="en-US" dirty="0"/>
-              <a:t> </a:t>
-            </a:r>
-            <a:r>
-              <a:rPr kumimoji="1" lang="en-US" altLang="zh-CN" dirty="0"/>
-              <a:t>TABLE</a:t>
-            </a:r>
-            <a:r>
-              <a:rPr kumimoji="1" lang="zh-CN" altLang="en-US" dirty="0"/>
-              <a:t>：重新整理数据</a:t>
-            </a:r>
-            <a:endParaRPr kumimoji="1" lang="en-US" altLang="zh-CN" dirty="0"/>
-          </a:p>
-          <a:p>
-            <a:r>
-              <a:rPr kumimoji="1" lang="en-US" altLang="zh-CN" dirty="0"/>
-              <a:t>CHECK</a:t>
-            </a:r>
-            <a:r>
-              <a:rPr kumimoji="1" lang="zh-CN" altLang="en-US" dirty="0"/>
-              <a:t> </a:t>
-            </a:r>
-            <a:r>
-              <a:rPr kumimoji="1" lang="en-US" altLang="zh-CN" dirty="0"/>
-              <a:t>TABLE</a:t>
-            </a:r>
-            <a:r>
-              <a:rPr kumimoji="1" lang="zh-CN" altLang="en-US" dirty="0"/>
-              <a:t>：找到损坏的表，</a:t>
-            </a:r>
-            <a:r>
-              <a:rPr kumimoji="1" lang="en-US" altLang="zh-CN" dirty="0"/>
-              <a:t>REPAIR</a:t>
-            </a:r>
-            <a:r>
-              <a:rPr kumimoji="1" lang="zh-CN" altLang="en-US" dirty="0"/>
-              <a:t> </a:t>
-            </a:r>
-            <a:r>
-              <a:rPr kumimoji="1" lang="en-US" altLang="zh-CN" dirty="0"/>
-              <a:t>TABLE</a:t>
-            </a:r>
-            <a:r>
-              <a:rPr kumimoji="1" lang="zh-CN" altLang="en-US" dirty="0"/>
-              <a:t>修复表</a:t>
-            </a:r>
-            <a:endParaRPr kumimoji="1" lang="en-US" altLang="zh-CN" dirty="0"/>
-          </a:p>
-          <a:p>
-            <a:r>
-              <a:rPr kumimoji="1" lang="en-US" altLang="zh-CN" dirty="0"/>
-              <a:t>ANALYZE</a:t>
-            </a:r>
-            <a:r>
-              <a:rPr kumimoji="1" lang="zh-CN" altLang="en-US" dirty="0"/>
-              <a:t> </a:t>
-            </a:r>
-            <a:r>
-              <a:rPr kumimoji="1" lang="en-US" altLang="zh-CN" dirty="0"/>
-              <a:t>TABLE</a:t>
-            </a:r>
-            <a:r>
-              <a:rPr kumimoji="1" lang="zh-CN" altLang="en-US" dirty="0"/>
-              <a:t>：生成统计信息 </a:t>
-            </a:r>
-            <a:r>
-              <a:rPr kumimoji="1" lang="en-US" altLang="zh-CN" dirty="0"/>
-              <a:t>SHOW</a:t>
-            </a:r>
-            <a:r>
-              <a:rPr kumimoji="1" lang="zh-CN" altLang="en-US" dirty="0"/>
-              <a:t> </a:t>
-            </a:r>
-            <a:r>
-              <a:rPr kumimoji="1" lang="en-US" altLang="zh-CN" dirty="0"/>
-              <a:t>INDEX</a:t>
-            </a:r>
-            <a:r>
-              <a:rPr kumimoji="1" lang="zh-CN" altLang="en-US" dirty="0"/>
-              <a:t> </a:t>
-            </a:r>
-            <a:r>
-              <a:rPr kumimoji="1" lang="en-US" altLang="zh-CN" dirty="0"/>
-              <a:t>FROM</a:t>
-            </a:r>
-            <a:r>
-              <a:rPr kumimoji="1" lang="zh-CN" altLang="en-US" dirty="0"/>
-              <a:t>索引的基数</a:t>
-            </a:r>
-            <a:endParaRPr kumimoji="1" lang="en-US" altLang="zh-CN" dirty="0"/>
-          </a:p>
-          <a:p>
-            <a:r>
-              <a:rPr kumimoji="1" lang="en-US" altLang="zh-CN" dirty="0"/>
-              <a:t>SHOW</a:t>
-            </a:r>
-            <a:r>
-              <a:rPr kumimoji="1" lang="zh-CN" altLang="en-US" dirty="0"/>
-              <a:t> </a:t>
-            </a:r>
-            <a:r>
-              <a:rPr kumimoji="1" lang="en-US" altLang="zh-CN" dirty="0"/>
-              <a:t>FULL</a:t>
-            </a:r>
-            <a:r>
-              <a:rPr kumimoji="1" lang="zh-CN" altLang="en-US" dirty="0"/>
-              <a:t> </a:t>
-            </a:r>
-            <a:r>
-              <a:rPr kumimoji="1" lang="en-US" altLang="zh-CN" dirty="0"/>
-              <a:t>PROCESLIST</a:t>
-            </a:r>
-            <a:r>
-              <a:rPr kumimoji="1" lang="zh-CN" altLang="en-US" dirty="0"/>
-              <a:t>：</a:t>
-            </a:r>
-            <a:r>
-              <a:rPr kumimoji="1" lang="en-US" altLang="zh-CN" dirty="0"/>
-              <a:t>Command</a:t>
-            </a:r>
-            <a:r>
-              <a:rPr kumimoji="1" lang="zh-CN" altLang="en-US" dirty="0"/>
-              <a:t>列表示当前的状态</a:t>
-            </a:r>
-            <a:endParaRPr kumimoji="1" lang="en-US" altLang="zh-CN" dirty="0"/>
+              <a:rPr kumimoji="1" lang="zh-CN" altLang="en-US" dirty="0"/>
+              <a:t>分区表</a:t>
+            </a:r>
+            <a:endParaRPr kumimoji="1" lang="en-US" altLang="zh-CN" dirty="0"/>
+          </a:p>
+          <a:p>
+            <a:pPr lvl="1"/>
+            <a:r>
+              <a:rPr kumimoji="1" lang="zh-CN" altLang="en-US" dirty="0"/>
+              <a:t>独立的逻辑表，底层是由多个物理表组成</a:t>
+            </a:r>
+            <a:endParaRPr kumimoji="1" lang="en-US" altLang="zh-CN" dirty="0"/>
+          </a:p>
+          <a:p>
+            <a:pPr lvl="1"/>
+            <a:r>
+              <a:rPr kumimoji="1" lang="zh-CN" altLang="en-US" dirty="0"/>
+              <a:t>创建表时用</a:t>
+            </a:r>
+            <a:r>
+              <a:rPr kumimoji="1" lang="en-US" altLang="zh-CN" dirty="0"/>
+              <a:t>PARTITION</a:t>
+            </a:r>
+            <a:r>
+              <a:rPr kumimoji="1" lang="zh-CN" altLang="en-US" dirty="0"/>
+              <a:t> </a:t>
+            </a:r>
+            <a:r>
+              <a:rPr kumimoji="1" lang="en-US" altLang="zh-CN" dirty="0"/>
+              <a:t>BY</a:t>
+            </a:r>
+            <a:r>
+              <a:rPr kumimoji="1" lang="zh-CN" altLang="en-US" dirty="0"/>
+              <a:t>子句定义每个分区存放的数据</a:t>
+            </a:r>
+            <a:endParaRPr kumimoji="1" lang="en-US" altLang="zh-CN" dirty="0"/>
+          </a:p>
+          <a:p>
+            <a:r>
+              <a:rPr kumimoji="1" lang="zh-CN" altLang="en-US" dirty="0"/>
+              <a:t>视图</a:t>
+            </a:r>
+            <a:endParaRPr kumimoji="1" lang="en-US" altLang="zh-CN" dirty="0"/>
+          </a:p>
+          <a:p>
+            <a:pPr lvl="1"/>
+            <a:r>
+              <a:rPr kumimoji="1" lang="zh-CN" altLang="en-US" dirty="0"/>
+              <a:t>视图本身是一个虚拟表，不存放任何数据</a:t>
+            </a:r>
+            <a:endParaRPr kumimoji="1" lang="en-US" altLang="zh-CN" dirty="0"/>
+          </a:p>
+          <a:p>
+            <a:r>
+              <a:rPr kumimoji="1" lang="zh-CN" altLang="en-US" dirty="0"/>
+              <a:t>外键约束</a:t>
+            </a:r>
+            <a:endParaRPr kumimoji="1" lang="en-US" altLang="zh-CN" dirty="0"/>
+          </a:p>
+          <a:p>
+            <a:pPr lvl="1"/>
+            <a:r>
+              <a:rPr kumimoji="1" lang="en-US" altLang="zh-CN" dirty="0"/>
+              <a:t>In</a:t>
+            </a:r>
+            <a:r>
+              <a:rPr kumimoji="1" lang="zh-CN" altLang="en-US" dirty="0"/>
+              <a:t>你欧</a:t>
+            </a:r>
+            <a:r>
+              <a:rPr kumimoji="1" lang="en-US" altLang="zh-CN" dirty="0"/>
+              <a:t>DB</a:t>
+            </a:r>
+            <a:r>
+              <a:rPr kumimoji="1" lang="zh-CN" altLang="en-US" dirty="0"/>
+              <a:t>是目前</a:t>
+            </a:r>
+            <a:r>
+              <a:rPr kumimoji="1" lang="en-US" altLang="zh-CN" dirty="0"/>
+              <a:t>MySQL</a:t>
+            </a:r>
+            <a:r>
+              <a:rPr kumimoji="1" lang="zh-CN" altLang="en-US" dirty="0"/>
+              <a:t>中唯一支持外键的内置存储引擎</a:t>
+            </a:r>
+            <a:endParaRPr kumimoji="1" lang="en-US" altLang="zh-CN" dirty="0"/>
+          </a:p>
+          <a:p>
+            <a:pPr lvl="1"/>
+            <a:r>
+              <a:rPr kumimoji="1" lang="zh-CN" altLang="en-US" dirty="0"/>
+              <a:t>如果只是使用外键做约束，那通常在应用程序里实现该</a:t>
+            </a:r>
+            <a:r>
+              <a:rPr kumimoji="1" lang="zh-CN" altLang="en-US"/>
+              <a:t>约束会更好</a:t>
+            </a:r>
           </a:p>
         </p:txBody>
       </p:sp>
     </p:spTree>
     <p:extLst>
       <p:ext uri="{BB962C8B-B14F-4D97-AF65-F5344CB8AC3E}">
-        <p14:creationId xmlns:p14="http://schemas.microsoft.com/office/powerpoint/2010/main" val="3463487010"/>
+        <p14:creationId xmlns:p14="http://schemas.microsoft.com/office/powerpoint/2010/main" val="3375914514"/>
       </p:ext>
     </p:extLst>
   </p:cSld>
@@ -6923,7 +7828,7 @@
           <p:cNvPr id="2" name="标题 1">
             <a:extLst>
               <a:ext uri="{FF2B5EF4-FFF2-40B4-BE49-F238E27FC236}">
-                <a16:creationId xmlns:a16="http://schemas.microsoft.com/office/drawing/2014/main" id="{3260F9DA-AFCF-E34F-B681-32E9F1BDF90D}"/>
+                <a16:creationId xmlns:a16="http://schemas.microsoft.com/office/drawing/2014/main" id="{8160DF6A-0AC2-1C47-A3E3-E19BA4BA8518}"/>
               </a:ext>
             </a:extLst>
           </p:cNvPr>
@@ -6941,7 +7846,7 @@
           <a:p>
             <a:r>
               <a:rPr kumimoji="1" lang="zh-CN" altLang="en-US" dirty="0"/>
-              <a:t>工具</a:t>
+              <a:t>八 优化服务器设置</a:t>
             </a:r>
           </a:p>
         </p:txBody>
@@ -6951,7 +7856,7 @@
           <p:cNvPr id="3" name="内容占位符 2">
             <a:extLst>
               <a:ext uri="{FF2B5EF4-FFF2-40B4-BE49-F238E27FC236}">
-                <a16:creationId xmlns:a16="http://schemas.microsoft.com/office/drawing/2014/main" id="{E176A03D-C4DC-1E46-A288-EB358E708B1F}"/>
+                <a16:creationId xmlns:a16="http://schemas.microsoft.com/office/drawing/2014/main" id="{6CB63D7F-C646-E244-88E5-185FDFBA6290}"/>
               </a:ext>
             </a:extLst>
           </p:cNvPr>
@@ -6964,244 +7869,17 @@
         </p:nvSpPr>
         <p:spPr/>
         <p:txBody>
-          <a:bodyPr>
-            <a:normAutofit fontScale="77500" lnSpcReduction="20000"/>
-          </a:bodyPr>
+          <a:bodyPr/>
           <a:lstStyle/>
           <a:p>
-            <a:r>
-              <a:rPr kumimoji="1" lang="en-US" altLang="zh-CN" dirty="0" err="1"/>
-              <a:t>pt</a:t>
-            </a:r>
-            <a:r>
-              <a:rPr kumimoji="1" lang="en-US" altLang="zh-CN" dirty="0"/>
-              <a:t>-online-schema-change</a:t>
-            </a:r>
-          </a:p>
-          <a:p>
-            <a:r>
-              <a:rPr kumimoji="1" lang="en-US" altLang="zh-CN" dirty="0" err="1"/>
-              <a:t>pt</a:t>
-            </a:r>
-            <a:r>
-              <a:rPr kumimoji="1" lang="en-US" altLang="zh-CN" dirty="0"/>
-              <a:t>-query-digest</a:t>
-            </a:r>
-            <a:r>
-              <a:rPr kumimoji="1" lang="zh-CN" altLang="en-US" dirty="0"/>
-              <a:t>，</a:t>
-            </a:r>
-            <a:r>
-              <a:rPr kumimoji="1" lang="en-US" altLang="zh-CN" dirty="0"/>
-              <a:t>--</a:t>
-            </a:r>
-            <a:r>
-              <a:rPr kumimoji="1" lang="en-US" altLang="zh-CN" dirty="0" err="1"/>
-              <a:t>processlist</a:t>
-            </a:r>
-            <a:r>
-              <a:rPr kumimoji="1" lang="zh-CN" altLang="en-US" dirty="0"/>
-              <a:t> </a:t>
-            </a:r>
-            <a:r>
-              <a:rPr kumimoji="1" lang="en-US" altLang="zh-CN" dirty="0"/>
-              <a:t>–type=</a:t>
-            </a:r>
-            <a:r>
-              <a:rPr kumimoji="1" lang="en-US" altLang="zh-CN" dirty="0" err="1"/>
-              <a:t>tcpdump</a:t>
-            </a:r>
-            <a:r>
-              <a:rPr kumimoji="1" lang="zh-CN" altLang="en-US" dirty="0"/>
-              <a:t> </a:t>
-            </a:r>
-            <a:r>
-              <a:rPr kumimoji="1" lang="en-US" altLang="zh-CN" dirty="0"/>
-              <a:t>--explain</a:t>
-            </a:r>
-          </a:p>
-          <a:p>
-            <a:r>
-              <a:rPr kumimoji="1" lang="en-US" altLang="zh-CN" dirty="0"/>
-              <a:t>New</a:t>
-            </a:r>
-            <a:r>
-              <a:rPr kumimoji="1" lang="zh-CN" altLang="en-US" dirty="0"/>
-              <a:t> </a:t>
-            </a:r>
-            <a:r>
-              <a:rPr kumimoji="1" lang="en-US" altLang="zh-CN" dirty="0"/>
-              <a:t>Relic</a:t>
-            </a:r>
-            <a:r>
-              <a:rPr kumimoji="1" lang="zh-CN" altLang="en-US" dirty="0"/>
-              <a:t>，插入应用程序中进行性能剖析</a:t>
-            </a:r>
-            <a:endParaRPr kumimoji="1" lang="en-US" altLang="zh-CN" dirty="0"/>
-          </a:p>
-          <a:p>
-            <a:r>
-              <a:rPr kumimoji="1" lang="en-US" altLang="zh-CN" dirty="0" err="1"/>
-              <a:t>Xhprof</a:t>
-            </a:r>
-            <a:r>
-              <a:rPr kumimoji="1" lang="zh-CN" altLang="en-US" dirty="0"/>
-              <a:t>，</a:t>
-            </a:r>
-            <a:r>
-              <a:rPr kumimoji="1" lang="en-US" altLang="zh-CN" dirty="0" err="1"/>
-              <a:t>facebook</a:t>
-            </a:r>
-            <a:r>
-              <a:rPr kumimoji="1" lang="zh-CN" altLang="en-US" dirty="0"/>
-              <a:t>的</a:t>
-            </a:r>
-            <a:r>
-              <a:rPr kumimoji="1" lang="en-US" altLang="zh-CN" dirty="0"/>
-              <a:t>php</a:t>
-            </a:r>
-            <a:r>
-              <a:rPr kumimoji="1" lang="zh-CN" altLang="en-US" dirty="0"/>
-              <a:t>性能剖析工具</a:t>
-            </a:r>
-            <a:endParaRPr kumimoji="1" lang="en-US" altLang="zh-CN" dirty="0"/>
-          </a:p>
-          <a:p>
-            <a:r>
-              <a:rPr kumimoji="1" lang="en-US" altLang="zh-CN" dirty="0" err="1"/>
-              <a:t>Ifp</a:t>
-            </a:r>
-            <a:r>
-              <a:rPr kumimoji="1" lang="zh-CN" altLang="en-US" dirty="0"/>
-              <a:t>，应用程序的请求，数据库的查询和缓存的查询</a:t>
-            </a:r>
-            <a:endParaRPr kumimoji="1" lang="en-US" altLang="zh-CN" dirty="0"/>
-          </a:p>
-          <a:p>
-            <a:r>
-              <a:rPr kumimoji="1" lang="en-US" altLang="zh-CN" dirty="0" err="1"/>
-              <a:t>pt</a:t>
-            </a:r>
-            <a:r>
-              <a:rPr kumimoji="1" lang="en-US" altLang="zh-CN" dirty="0"/>
-              <a:t>-stalk</a:t>
-            </a:r>
-            <a:r>
-              <a:rPr kumimoji="1" lang="zh-CN" altLang="en-US" dirty="0"/>
-              <a:t>，只需配置需要监控的变量、阈值、检查的频率等</a:t>
-            </a:r>
-            <a:endParaRPr kumimoji="1" lang="en-US" altLang="zh-CN" dirty="0"/>
-          </a:p>
-          <a:p>
-            <a:r>
-              <a:rPr kumimoji="1" lang="en-US" altLang="zh-CN" dirty="0" err="1"/>
-              <a:t>oprofile</a:t>
-            </a:r>
-            <a:r>
-              <a:rPr kumimoji="1" lang="en-US" altLang="zh-CN" dirty="0"/>
-              <a:t>,</a:t>
-            </a:r>
-            <a:r>
-              <a:rPr kumimoji="1" lang="zh-CN" altLang="en-US" dirty="0"/>
-              <a:t> </a:t>
-            </a:r>
-            <a:r>
-              <a:rPr kumimoji="1" lang="en-US" altLang="zh-CN" dirty="0" err="1"/>
-              <a:t>gdb</a:t>
-            </a:r>
-            <a:r>
-              <a:rPr kumimoji="1" lang="en-US" altLang="zh-CN" dirty="0"/>
-              <a:t>,</a:t>
-            </a:r>
-            <a:r>
-              <a:rPr kumimoji="1" lang="zh-CN" altLang="en-US" dirty="0"/>
-              <a:t> </a:t>
-            </a:r>
-            <a:r>
-              <a:rPr kumimoji="1" lang="en-US" altLang="zh-CN" dirty="0" err="1"/>
-              <a:t>pt-pmp</a:t>
-            </a:r>
-            <a:endParaRPr kumimoji="1" lang="en-US" altLang="zh-CN" dirty="0"/>
-          </a:p>
-          <a:p>
-            <a:r>
-              <a:rPr kumimoji="1" lang="en-US" altLang="zh-CN" dirty="0" err="1"/>
-              <a:t>Flexviews</a:t>
-            </a:r>
-            <a:r>
-              <a:rPr kumimoji="1" lang="zh-CN" altLang="en-US" dirty="0"/>
-              <a:t>：物化视图</a:t>
-            </a:r>
-            <a:endParaRPr kumimoji="1" lang="en-US" altLang="zh-CN" dirty="0"/>
-          </a:p>
-          <a:p>
-            <a:r>
-              <a:rPr kumimoji="1" lang="en-US" altLang="zh-CN" dirty="0" err="1"/>
-              <a:t>common_schema</a:t>
-            </a:r>
-            <a:r>
-              <a:rPr kumimoji="1" lang="zh-CN" altLang="en-US" dirty="0"/>
-              <a:t>常用的存储和视图</a:t>
-            </a:r>
-            <a:endParaRPr kumimoji="1" lang="en-US" altLang="zh-CN" dirty="0"/>
-          </a:p>
-          <a:p>
-            <a:r>
-              <a:rPr kumimoji="1" lang="en-US" altLang="zh-CN" dirty="0" err="1"/>
-              <a:t>pt</a:t>
-            </a:r>
-            <a:r>
-              <a:rPr kumimoji="1" lang="en-US" altLang="zh-CN" dirty="0"/>
-              <a:t>-duplicate-key-checker</a:t>
-            </a:r>
-            <a:r>
-              <a:rPr kumimoji="1" lang="zh-CN" altLang="en-US" dirty="0"/>
-              <a:t>找出冗余和重复的索引</a:t>
-            </a:r>
-            <a:endParaRPr kumimoji="1" lang="en-US" altLang="zh-CN" dirty="0"/>
-          </a:p>
-          <a:p>
-            <a:r>
-              <a:rPr kumimoji="1" lang="en-US" altLang="zh-CN" dirty="0" err="1"/>
-              <a:t>pt</a:t>
-            </a:r>
-            <a:r>
-              <a:rPr kumimoji="1" lang="en-US" altLang="zh-CN" dirty="0"/>
-              <a:t>-upgrade</a:t>
-            </a:r>
-            <a:r>
-              <a:rPr kumimoji="1" lang="zh-CN" altLang="en-US" dirty="0"/>
-              <a:t>检查计划中的索引变更</a:t>
-            </a:r>
-            <a:endParaRPr kumimoji="1" lang="en-US" altLang="zh-CN" dirty="0"/>
-          </a:p>
-          <a:p>
-            <a:r>
-              <a:rPr kumimoji="1" lang="en-US" altLang="zh-CN" dirty="0" err="1"/>
-              <a:t>pt</a:t>
-            </a:r>
-            <a:r>
-              <a:rPr kumimoji="1" lang="en-US" altLang="zh-CN" dirty="0"/>
-              <a:t>-index-usage</a:t>
-            </a:r>
-            <a:r>
-              <a:rPr kumimoji="1" lang="zh-CN" altLang="en-US" dirty="0"/>
-              <a:t>：查找哪些索引未使用过</a:t>
-            </a:r>
-            <a:endParaRPr kumimoji="1" lang="en-US" altLang="zh-CN" dirty="0"/>
-          </a:p>
-          <a:p>
-            <a:pPr marL="0" indent="0">
-              <a:buNone/>
-            </a:pPr>
-            <a:endParaRPr kumimoji="1" lang="zh-CN" altLang="en-US" dirty="0"/>
+            <a:endParaRPr kumimoji="1" lang="zh-CN" altLang="en-US"/>
           </a:p>
         </p:txBody>
       </p:sp>
     </p:spTree>
     <p:extLst>
       <p:ext uri="{BB962C8B-B14F-4D97-AF65-F5344CB8AC3E}">
-        <p14:creationId xmlns:p14="http://schemas.microsoft.com/office/powerpoint/2010/main" val="3570629165"/>
+        <p14:creationId xmlns:p14="http://schemas.microsoft.com/office/powerpoint/2010/main" val="4016341411"/>
       </p:ext>
     </p:extLst>
   </p:cSld>
